--- a/training/LinuxIntro.pptx
+++ b/training/LinuxIntro.pptx
@@ -186,7 +186,7 @@
               <a:alphaModFix amt="64000"/>
               <a:extLst>
                 <a:ext uri="{28A0092B-C50C-407E-A947-70E740481C1C}">
-                  <a14:useLocalDpi xmlns:a14="http://schemas.microsoft.com/office/drawing/2010/main" xmlns="" val="0"/>
+                  <a14:useLocalDpi xmlns="" xmlns:a14="http://schemas.microsoft.com/office/drawing/2010/main" val="0"/>
                 </a:ext>
               </a:extLst>
             </a:blip>
@@ -242,7 +242,7 @@
           <a:blip r:embed="rId3" cstate="print">
             <a:extLst>
               <a:ext uri="{28A0092B-C50C-407E-A947-70E740481C1C}">
-                <a14:useLocalDpi xmlns:a14="http://schemas.microsoft.com/office/drawing/2010/main" xmlns="" val="0"/>
+                <a14:useLocalDpi xmlns="" xmlns:a14="http://schemas.microsoft.com/office/drawing/2010/main" val="0"/>
               </a:ext>
             </a:extLst>
           </a:blip>
@@ -480,7 +480,7 @@
             </a:clrChange>
             <a:extLst>
               <a:ext uri="{28A0092B-C50C-407E-A947-70E740481C1C}">
-                <a14:useLocalDpi xmlns:a14="http://schemas.microsoft.com/office/drawing/2010/main" xmlns="" val="0"/>
+                <a14:useLocalDpi xmlns="" xmlns:a14="http://schemas.microsoft.com/office/drawing/2010/main" val="0"/>
               </a:ext>
             </a:extLst>
           </a:blip>
@@ -510,7 +510,7 @@
           <a:blip r:embed="rId5" cstate="print">
             <a:extLst>
               <a:ext uri="{28A0092B-C50C-407E-A947-70E740481C1C}">
-                <a14:useLocalDpi xmlns:a14="http://schemas.microsoft.com/office/drawing/2010/main" xmlns="" val="0"/>
+                <a14:useLocalDpi xmlns="" xmlns:a14="http://schemas.microsoft.com/office/drawing/2010/main" val="0"/>
               </a:ext>
             </a:extLst>
           </a:blip>
@@ -540,7 +540,7 @@
           <a:blip r:embed="rId6" cstate="print">
             <a:extLst>
               <a:ext uri="{28A0092B-C50C-407E-A947-70E740481C1C}">
-                <a14:useLocalDpi xmlns:a14="http://schemas.microsoft.com/office/drawing/2010/main" xmlns="" val="0"/>
+                <a14:useLocalDpi xmlns="" xmlns:a14="http://schemas.microsoft.com/office/drawing/2010/main" val="0"/>
               </a:ext>
             </a:extLst>
           </a:blip>
@@ -561,7 +561,7 @@
     </p:spTree>
     <p:extLst>
       <p:ext uri="{BB962C8B-B14F-4D97-AF65-F5344CB8AC3E}">
-        <p14:creationId xmlns:p14="http://schemas.microsoft.com/office/powerpoint/2010/main" xmlns="" val="4142883408"/>
+        <p14:creationId xmlns="" xmlns:p14="http://schemas.microsoft.com/office/powerpoint/2010/main" val="4142883408"/>
       </p:ext>
     </p:extLst>
   </p:cSld>
@@ -827,7 +827,7 @@
     </p:spTree>
     <p:extLst>
       <p:ext uri="{BB962C8B-B14F-4D97-AF65-F5344CB8AC3E}">
-        <p14:creationId xmlns:p14="http://schemas.microsoft.com/office/powerpoint/2010/main" xmlns="" val="3121257602"/>
+        <p14:creationId xmlns="" xmlns:p14="http://schemas.microsoft.com/office/powerpoint/2010/main" val="3121257602"/>
       </p:ext>
     </p:extLst>
   </p:cSld>
@@ -999,7 +999,7 @@
     </p:spTree>
     <p:extLst>
       <p:ext uri="{BB962C8B-B14F-4D97-AF65-F5344CB8AC3E}">
-        <p14:creationId xmlns:p14="http://schemas.microsoft.com/office/powerpoint/2010/main" xmlns="" val="554198948"/>
+        <p14:creationId xmlns="" xmlns:p14="http://schemas.microsoft.com/office/powerpoint/2010/main" val="554198948"/>
       </p:ext>
     </p:extLst>
   </p:cSld>
@@ -1181,7 +1181,7 @@
     </p:spTree>
     <p:extLst>
       <p:ext uri="{BB962C8B-B14F-4D97-AF65-F5344CB8AC3E}">
-        <p14:creationId xmlns:p14="http://schemas.microsoft.com/office/powerpoint/2010/main" xmlns="" val="2086918779"/>
+        <p14:creationId xmlns="" xmlns:p14="http://schemas.microsoft.com/office/powerpoint/2010/main" val="2086918779"/>
       </p:ext>
     </p:extLst>
   </p:cSld>
@@ -1234,7 +1234,7 @@
               <a:alphaModFix amt="64000"/>
               <a:extLst>
                 <a:ext uri="{28A0092B-C50C-407E-A947-70E740481C1C}">
-                  <a14:useLocalDpi xmlns:a14="http://schemas.microsoft.com/office/drawing/2010/main" xmlns="" val="0"/>
+                  <a14:useLocalDpi xmlns="" xmlns:a14="http://schemas.microsoft.com/office/drawing/2010/main" val="0"/>
                 </a:ext>
               </a:extLst>
             </a:blip>
@@ -7195,7 +7195,7 @@
     </p:spTree>
     <p:extLst>
       <p:ext uri="{BB962C8B-B14F-4D97-AF65-F5344CB8AC3E}">
-        <p14:creationId xmlns:p14="http://schemas.microsoft.com/office/powerpoint/2010/main" xmlns="" val="384717623"/>
+        <p14:creationId xmlns="" xmlns:p14="http://schemas.microsoft.com/office/powerpoint/2010/main" val="384717623"/>
       </p:ext>
     </p:extLst>
   </p:cSld>
@@ -7315,7 +7315,7 @@
               <a:alphaModFix amt="64000"/>
               <a:extLst>
                 <a:ext uri="{28A0092B-C50C-407E-A947-70E740481C1C}">
-                  <a14:useLocalDpi xmlns:a14="http://schemas.microsoft.com/office/drawing/2010/main" xmlns="" val="0"/>
+                  <a14:useLocalDpi xmlns="" xmlns:a14="http://schemas.microsoft.com/office/drawing/2010/main" val="0"/>
                 </a:ext>
               </a:extLst>
             </a:blip>
@@ -13111,7 +13111,7 @@
     </p:spTree>
     <p:extLst>
       <p:ext uri="{BB962C8B-B14F-4D97-AF65-F5344CB8AC3E}">
-        <p14:creationId xmlns:p14="http://schemas.microsoft.com/office/powerpoint/2010/main" xmlns="" val="146190603"/>
+        <p14:creationId xmlns="" xmlns:p14="http://schemas.microsoft.com/office/powerpoint/2010/main" val="146190603"/>
       </p:ext>
     </p:extLst>
   </p:cSld>
@@ -13314,7 +13314,7 @@
               <a:alphaModFix amt="64000"/>
               <a:extLst>
                 <a:ext uri="{28A0092B-C50C-407E-A947-70E740481C1C}">
-                  <a14:useLocalDpi xmlns:a14="http://schemas.microsoft.com/office/drawing/2010/main" xmlns="" val="0"/>
+                  <a14:useLocalDpi xmlns="" xmlns:a14="http://schemas.microsoft.com/office/drawing/2010/main" val="0"/>
                 </a:ext>
               </a:extLst>
             </a:blip>
@@ -19193,7 +19193,7 @@
     </p:spTree>
     <p:extLst>
       <p:ext uri="{BB962C8B-B14F-4D97-AF65-F5344CB8AC3E}">
-        <p14:creationId xmlns:p14="http://schemas.microsoft.com/office/powerpoint/2010/main" xmlns="" val="2742422395"/>
+        <p14:creationId xmlns="" xmlns:p14="http://schemas.microsoft.com/office/powerpoint/2010/main" val="2742422395"/>
       </p:ext>
     </p:extLst>
   </p:cSld>
@@ -19446,7 +19446,7 @@
     </p:spTree>
     <p:extLst>
       <p:ext uri="{BB962C8B-B14F-4D97-AF65-F5344CB8AC3E}">
-        <p14:creationId xmlns:p14="http://schemas.microsoft.com/office/powerpoint/2010/main" xmlns="" val="3743162936"/>
+        <p14:creationId xmlns="" xmlns:p14="http://schemas.microsoft.com/office/powerpoint/2010/main" val="3743162936"/>
       </p:ext>
     </p:extLst>
   </p:cSld>
@@ -27557,7 +27557,7 @@
     </p:spTree>
     <p:extLst>
       <p:ext uri="{BB962C8B-B14F-4D97-AF65-F5344CB8AC3E}">
-        <p14:creationId xmlns:p14="http://schemas.microsoft.com/office/powerpoint/2010/main" xmlns="" val="508502288"/>
+        <p14:creationId xmlns="" xmlns:p14="http://schemas.microsoft.com/office/powerpoint/2010/main" val="508502288"/>
       </p:ext>
     </p:extLst>
   </p:cSld>
@@ -27933,7 +27933,7 @@
     </p:spTree>
     <p:extLst>
       <p:ext uri="{BB962C8B-B14F-4D97-AF65-F5344CB8AC3E}">
-        <p14:creationId xmlns:p14="http://schemas.microsoft.com/office/powerpoint/2010/main" xmlns="" val="3181552449"/>
+        <p14:creationId xmlns="" xmlns:p14="http://schemas.microsoft.com/office/powerpoint/2010/main" val="3181552449"/>
       </p:ext>
     </p:extLst>
   </p:cSld>
@@ -28030,7 +28030,7 @@
     </p:spTree>
     <p:extLst>
       <p:ext uri="{BB962C8B-B14F-4D97-AF65-F5344CB8AC3E}">
-        <p14:creationId xmlns:p14="http://schemas.microsoft.com/office/powerpoint/2010/main" xmlns="" val="1190731481"/>
+        <p14:creationId xmlns="" xmlns:p14="http://schemas.microsoft.com/office/powerpoint/2010/main" val="1190731481"/>
       </p:ext>
     </p:extLst>
   </p:cSld>
@@ -28309,7 +28309,7 @@
     </p:spTree>
     <p:extLst>
       <p:ext uri="{BB962C8B-B14F-4D97-AF65-F5344CB8AC3E}">
-        <p14:creationId xmlns:p14="http://schemas.microsoft.com/office/powerpoint/2010/main" xmlns="" val="529786672"/>
+        <p14:creationId xmlns="" xmlns:p14="http://schemas.microsoft.com/office/powerpoint/2010/main" val="529786672"/>
       </p:ext>
     </p:extLst>
   </p:cSld>
@@ -28560,7 +28560,7 @@
     </p:spTree>
     <p:extLst>
       <p:ext uri="{BB962C8B-B14F-4D97-AF65-F5344CB8AC3E}">
-        <p14:creationId xmlns:p14="http://schemas.microsoft.com/office/powerpoint/2010/main" xmlns="" val="597543625"/>
+        <p14:creationId xmlns="" xmlns:p14="http://schemas.microsoft.com/office/powerpoint/2010/main" val="597543625"/>
       </p:ext>
     </p:extLst>
   </p:cSld>
@@ -28927,7 +28927,7 @@
         </p:spPr>
         <p:txBody>
           <a:bodyPr>
-            <a:normAutofit/>
+            <a:normAutofit fontScale="92500" lnSpcReduction="10000"/>
           </a:bodyPr>
           <a:lstStyle/>
           <a:p>
@@ -28940,6 +28940,13 @@
               <a:t>Hermocilla</a:t>
             </a:r>
             <a:endParaRPr lang="en-PH" dirty="0" smtClean="0"/>
+          </a:p>
+          <a:p>
+            <a:r>
+              <a:rPr lang="en-PH" sz="1900" dirty="0" smtClean="0"/>
+              <a:t>jchermocilla@up.edu.ph</a:t>
+            </a:r>
+            <a:endParaRPr lang="en-PH" sz="1900" dirty="0" smtClean="0"/>
           </a:p>
           <a:p>
             <a:r>
@@ -34732,11 +34739,7 @@
           <a:p>
             <a:r>
               <a:rPr lang="en-PH" dirty="0" smtClean="0"/>
-              <a:t>Checking list </a:t>
-            </a:r>
-            <a:r>
-              <a:rPr lang="en-PH" dirty="0" smtClean="0"/>
-              <a:t>of installed files</a:t>
+              <a:t>Checking list of installed files</a:t>
             </a:r>
           </a:p>
         </p:txBody>
@@ -34786,10 +34789,6 @@
               </a:rPr>
               <a:t>-query –L &lt;package name&gt;</a:t>
             </a:r>
-            <a:endParaRPr lang="en-PH" dirty="0" smtClean="0">
-              <a:latin typeface="Courier New" pitchFamily="49" charset="0"/>
-              <a:cs typeface="Courier New" pitchFamily="49" charset="0"/>
-            </a:endParaRPr>
           </a:p>
           <a:p>
             <a:endParaRPr lang="en-PH" dirty="0"/>
@@ -34976,17 +34975,8 @@
               <a:rPr lang="en-PH" dirty="0" smtClean="0">
                 <a:cs typeface="Courier New" pitchFamily="49" charset="0"/>
               </a:rPr>
-              <a:t>Tar </a:t>
-            </a:r>
-            <a:r>
-              <a:rPr lang="en-PH" dirty="0" smtClean="0">
-                <a:cs typeface="Courier New" pitchFamily="49" charset="0"/>
-              </a:rPr>
-              <a:t>Bzip2</a:t>
-            </a:r>
-            <a:endParaRPr lang="en-PH" dirty="0" smtClean="0">
-              <a:cs typeface="Courier New" pitchFamily="49" charset="0"/>
-            </a:endParaRPr>
+              <a:t>Tar Bzip2</a:t>
+            </a:r>
           </a:p>
           <a:p>
             <a:pPr lvl="1"/>
@@ -35002,47 +34992,15 @@
                 <a:latin typeface="Courier New" pitchFamily="49" charset="0"/>
                 <a:cs typeface="Courier New" pitchFamily="49" charset="0"/>
               </a:rPr>
-              <a:t>c</a:t>
-            </a:r>
-            <a:r>
-              <a:rPr lang="en-PH" dirty="0" err="1" smtClean="0">
-                <a:latin typeface="Courier New" pitchFamily="49" charset="0"/>
-                <a:cs typeface="Courier New" pitchFamily="49" charset="0"/>
-              </a:rPr>
-              <a:t>j</a:t>
-            </a:r>
-            <a:r>
-              <a:rPr lang="en-PH" dirty="0" err="1" smtClean="0">
-                <a:latin typeface="Courier New" pitchFamily="49" charset="0"/>
-                <a:cs typeface="Courier New" pitchFamily="49" charset="0"/>
-              </a:rPr>
-              <a:t>vf</a:t>
+              <a:t>cjvf</a:t>
             </a:r>
             <a:r>
               <a:rPr lang="en-PH" dirty="0" smtClean="0">
                 <a:latin typeface="Courier New" pitchFamily="49" charset="0"/>
                 <a:cs typeface="Courier New" pitchFamily="49" charset="0"/>
               </a:rPr>
-              <a:t> backup.tar.bz2 </a:t>
-            </a:r>
-            <a:r>
-              <a:rPr lang="en-PH" dirty="0" smtClean="0">
-                <a:latin typeface="Courier New" pitchFamily="49" charset="0"/>
-                <a:cs typeface="Courier New" pitchFamily="49" charset="0"/>
-              </a:rPr>
-              <a:t>backup</a:t>
-            </a:r>
-            <a:r>
-              <a:rPr lang="en-PH" dirty="0" smtClean="0">
-                <a:latin typeface="Courier New" pitchFamily="49" charset="0"/>
-                <a:cs typeface="Courier New" pitchFamily="49" charset="0"/>
-              </a:rPr>
-              <a:t>/*</a:t>
-            </a:r>
-            <a:endParaRPr lang="en-PH" dirty="0" smtClean="0">
-              <a:latin typeface="Courier New" pitchFamily="49" charset="0"/>
-              <a:cs typeface="Courier New" pitchFamily="49" charset="0"/>
-            </a:endParaRPr>
+              <a:t> backup.tar.bz2 backup/*</a:t>
+            </a:r>
           </a:p>
         </p:txBody>
       </p:sp>
@@ -35157,14 +35115,7 @@
                 <a:latin typeface="Courier New" pitchFamily="49" charset="0"/>
                 <a:cs typeface="Courier New" pitchFamily="49" charset="0"/>
               </a:rPr>
-              <a:t>x</a:t>
-            </a:r>
-            <a:r>
-              <a:rPr lang="en-PH" dirty="0" err="1" smtClean="0">
-                <a:latin typeface="Courier New" pitchFamily="49" charset="0"/>
-                <a:cs typeface="Courier New" pitchFamily="49" charset="0"/>
-              </a:rPr>
-              <a:t>zvf</a:t>
+              <a:t>xzvf</a:t>
             </a:r>
             <a:r>
               <a:rPr lang="en-PH" dirty="0" smtClean="0">
@@ -35190,17 +35141,8 @@
               <a:rPr lang="en-PH" dirty="0" smtClean="0">
                 <a:cs typeface="Courier New" pitchFamily="49" charset="0"/>
               </a:rPr>
-              <a:t>Tar  </a:t>
-            </a:r>
-            <a:r>
-              <a:rPr lang="en-PH" dirty="0" smtClean="0">
-                <a:cs typeface="Courier New" pitchFamily="49" charset="0"/>
-              </a:rPr>
-              <a:t>Bzip2</a:t>
-            </a:r>
-            <a:endParaRPr lang="en-PH" dirty="0" smtClean="0">
-              <a:cs typeface="Courier New" pitchFamily="49" charset="0"/>
-            </a:endParaRPr>
+              <a:t>Tar  Bzip2</a:t>
+            </a:r>
           </a:p>
           <a:p>
             <a:pPr lvl="1"/>
@@ -35225,10 +35167,6 @@
               </a:rPr>
               <a:t> backup.tar.bz2</a:t>
             </a:r>
-            <a:endParaRPr lang="en-PH" dirty="0" smtClean="0">
-              <a:latin typeface="Courier New" pitchFamily="49" charset="0"/>
-              <a:cs typeface="Courier New" pitchFamily="49" charset="0"/>
-            </a:endParaRPr>
           </a:p>
           <a:p>
             <a:pPr lvl="1"/>
@@ -36391,7 +36329,7 @@
   <a:extraClrSchemeLst/>
   <a:extLst>
     <a:ext uri="{05A4C25C-085E-4340-85A3-A5531E510DB2}">
-      <thm15:themeFamily xmlns:thm15="http://schemas.microsoft.com/office/thememl/2012/main" xmlns="" name="bioimformatics_theme" id="{F5ED74B4-CEA3-4705-8EE2-EB7BF325BD58}" vid="{6D8851AB-310C-4BBF-92F4-288337232AE2}"/>
+      <thm15:themeFamily xmlns="" xmlns:thm15="http://schemas.microsoft.com/office/thememl/2012/main" name="bioimformatics_theme" id="{F5ED74B4-CEA3-4705-8EE2-EB7BF325BD58}" vid="{6D8851AB-310C-4BBF-92F4-288337232AE2}"/>
     </a:ext>
   </a:extLst>
 </a:theme>
